--- a/F4_USBH_MSC_CubeMX.pptx
+++ b/F4_USBH_MSC_CubeMX.pptx
@@ -225,7 +225,7 @@
           <a:p>
             <a:fld id="{0CADC714-B8C8-41CC-8B32-1E23D8396FA6}" type="datetimeFigureOut">
               <a:rPr lang="fr-FR" smtClean="0"/>
-              <a:t>31/10/2016</a:t>
+              <a:t>01/11/2016</a:t>
             </a:fld>
             <a:endParaRPr lang="fr-FR"/>
           </a:p>
@@ -1864,7 +1864,7 @@
           <a:p>
             <a:fld id="{3E8DDD64-71C5-400C-82FC-43022155770F}" type="datetime1">
               <a:rPr lang="fr-FR" smtClean="0"/>
-              <a:t>31/10/2016</a:t>
+              <a:t>01/11/2016</a:t>
             </a:fld>
             <a:endParaRPr lang="fr-FR"/>
           </a:p>
@@ -2002,7 +2002,7 @@
           <a:p>
             <a:fld id="{2356BC70-7CEE-40A3-B0E7-C3CF3E064629}" type="datetime1">
               <a:rPr lang="fr-FR" smtClean="0"/>
-              <a:t>31/10/2016</a:t>
+              <a:t>01/11/2016</a:t>
             </a:fld>
             <a:endParaRPr lang="fr-FR"/>
           </a:p>
@@ -2344,7 +2344,7 @@
           <a:p>
             <a:fld id="{9F26F07D-9358-421A-A361-031971621BE1}" type="datetime1">
               <a:rPr lang="fr-FR" smtClean="0"/>
-              <a:t>31/10/2016</a:t>
+              <a:t>01/11/2016</a:t>
             </a:fld>
             <a:endParaRPr lang="fr-FR"/>
           </a:p>
@@ -2706,7 +2706,7 @@
           <a:p>
             <a:fld id="{AC14C0B4-B6C6-493B-AF49-CF601917093D}" type="datetime1">
               <a:rPr lang="fr-FR" smtClean="0"/>
-              <a:t>31/10/2016</a:t>
+              <a:t>01/11/2016</a:t>
             </a:fld>
             <a:endParaRPr lang="fr-FR"/>
           </a:p>
@@ -2886,7 +2886,7 @@
           <a:p>
             <a:fld id="{098C4145-E662-4661-8E87-CFD806B22EBB}" type="datetime1">
               <a:rPr lang="fr-FR" smtClean="0"/>
-              <a:t>31/10/2016</a:t>
+              <a:t>01/11/2016</a:t>
             </a:fld>
             <a:endParaRPr lang="fr-FR"/>
           </a:p>
@@ -3039,7 +3039,7 @@
           <a:p>
             <a:fld id="{9BCDA36E-892F-42E3-9FFA-082033406B05}" type="datetime1">
               <a:rPr lang="fr-FR" smtClean="0"/>
-              <a:t>31/10/2016</a:t>
+              <a:t>01/11/2016</a:t>
             </a:fld>
             <a:endParaRPr lang="fr-FR"/>
           </a:p>
@@ -3340,7 +3340,7 @@
           <a:p>
             <a:fld id="{ACECF462-CC52-41A0-B75C-654FB56E3FF5}" type="datetime1">
               <a:rPr lang="fr-FR" smtClean="0"/>
-              <a:t>31/10/2016</a:t>
+              <a:t>01/11/2016</a:t>
             </a:fld>
             <a:endParaRPr lang="fr-FR"/>
           </a:p>
@@ -3905,7 +3905,15 @@
           <a:p>
             <a:r>
               <a:rPr lang="en-US" dirty="0"/>
-              <a:t>USB MSP Host lab</a:t>
+              <a:t>USB MSP </a:t>
+            </a:r>
+            <a:r>
+              <a:rPr lang="en-US"/>
+              <a:t>Host </a:t>
+            </a:r>
+            <a:r>
+              <a:rPr lang="en-US" smtClean="0"/>
+              <a:t>lab1</a:t>
             </a:r>
             <a:endParaRPr lang="en-US" dirty="0" smtClean="0"/>
           </a:p>
@@ -9785,10 +9793,60 @@
 
 <file path=customXml/item2.xml><?xml version="1.0" encoding="utf-8"?>
 <?mso-contentType ?>
-<SharedContentType xmlns="Microsoft.SharePoint.Taxonomy.ContentTypeSync" SourceId="a12e1b27-6b38-47db-a67e-1057ebfcf6e5" ContentTypeId="0x0101002CD26512E226DC44BE8078132D0509C5" PreviousValue="false"/>
+<spe:Receivers xmlns:spe="http://schemas.microsoft.com/sharepoint/events">
+  <Receiver>
+    <Name>Document ID Generator</Name>
+    <Synchronization>Synchronous</Synchronization>
+    <Type>10001</Type>
+    <SequenceNumber>1000</SequenceNumber>
+    <Assembly>Microsoft.Office.DocumentManagement, Version=14.0.0.0, Culture=neutral, PublicKeyToken=71e9bce111e9429c</Assembly>
+    <Class>Microsoft.Office.DocumentManagement.Internal.DocIdHandler</Class>
+    <Data/>
+    <Filter/>
+  </Receiver>
+  <Receiver>
+    <Name>Document ID Generator</Name>
+    <Synchronization>Synchronous</Synchronization>
+    <Type>10002</Type>
+    <SequenceNumber>1001</SequenceNumber>
+    <Assembly>Microsoft.Office.DocumentManagement, Version=14.0.0.0, Culture=neutral, PublicKeyToken=71e9bce111e9429c</Assembly>
+    <Class>Microsoft.Office.DocumentManagement.Internal.DocIdHandler</Class>
+    <Data/>
+    <Filter/>
+  </Receiver>
+  <Receiver>
+    <Name>Document ID Generator</Name>
+    <Synchronization>Synchronous</Synchronization>
+    <Type>10004</Type>
+    <SequenceNumber>1002</SequenceNumber>
+    <Assembly>Microsoft.Office.DocumentManagement, Version=14.0.0.0, Culture=neutral, PublicKeyToken=71e9bce111e9429c</Assembly>
+    <Class>Microsoft.Office.DocumentManagement.Internal.DocIdHandler</Class>
+    <Data/>
+    <Filter/>
+  </Receiver>
+  <Receiver>
+    <Name>Document ID Generator</Name>
+    <Synchronization>Synchronous</Synchronization>
+    <Type>10006</Type>
+    <SequenceNumber>1003</SequenceNumber>
+    <Assembly>Microsoft.Office.DocumentManagement, Version=14.0.0.0, Culture=neutral, PublicKeyToken=71e9bce111e9429c</Assembly>
+    <Class>Microsoft.Office.DocumentManagement.Internal.DocIdHandler</Class>
+    <Data/>
+    <Filter/>
+  </Receiver>
+</spe:Receivers>
 </file>
 
 <file path=customXml/item3.xml><?xml version="1.0" encoding="utf-8"?>
+<?mso-contentType ?>
+<FormTemplates xmlns="http://schemas.microsoft.com/sharepoint/v3/contenttype/forms">
+  <Display>DocumentLibraryForm</Display>
+  <Edit>DocumentLibraryForm</Edit>
+  <New>DocumentLibraryForm</New>
+</FormTemplates>
+</file>
+
+<file path=customXml/item4.xml><?xml version="1.0" encoding="utf-8"?>
 <p:properties xmlns:p="http://schemas.microsoft.com/office/2006/metadata/properties" xmlns:xsi="http://www.w3.org/2001/XMLSchema-instance" xmlns:pc="http://schemas.microsoft.com/office/infopath/2007/PartnerControls">
   <documentManagement>
     <hfd4f7438eb64b4fb2740c42c2d09f06 xmlns="964ac87d-ee9f-445a-856c-d1bb75df95c2">
@@ -9847,59 +9905,9 @@
 </p:properties>
 </file>
 
-<file path=customXml/item4.xml><?xml version="1.0" encoding="utf-8"?>
-<?mso-contentType ?>
-<FormTemplates xmlns="http://schemas.microsoft.com/sharepoint/v3/contenttype/forms">
-  <Display>DocumentLibraryForm</Display>
-  <Edit>DocumentLibraryForm</Edit>
-  <New>DocumentLibraryForm</New>
-</FormTemplates>
-</file>
-
 <file path=customXml/item5.xml><?xml version="1.0" encoding="utf-8"?>
 <?mso-contentType ?>
-<spe:Receivers xmlns:spe="http://schemas.microsoft.com/sharepoint/events">
-  <Receiver>
-    <Name>Document ID Generator</Name>
-    <Synchronization>Synchronous</Synchronization>
-    <Type>10001</Type>
-    <SequenceNumber>1000</SequenceNumber>
-    <Assembly>Microsoft.Office.DocumentManagement, Version=14.0.0.0, Culture=neutral, PublicKeyToken=71e9bce111e9429c</Assembly>
-    <Class>Microsoft.Office.DocumentManagement.Internal.DocIdHandler</Class>
-    <Data/>
-    <Filter/>
-  </Receiver>
-  <Receiver>
-    <Name>Document ID Generator</Name>
-    <Synchronization>Synchronous</Synchronization>
-    <Type>10002</Type>
-    <SequenceNumber>1001</SequenceNumber>
-    <Assembly>Microsoft.Office.DocumentManagement, Version=14.0.0.0, Culture=neutral, PublicKeyToken=71e9bce111e9429c</Assembly>
-    <Class>Microsoft.Office.DocumentManagement.Internal.DocIdHandler</Class>
-    <Data/>
-    <Filter/>
-  </Receiver>
-  <Receiver>
-    <Name>Document ID Generator</Name>
-    <Synchronization>Synchronous</Synchronization>
-    <Type>10004</Type>
-    <SequenceNumber>1002</SequenceNumber>
-    <Assembly>Microsoft.Office.DocumentManagement, Version=14.0.0.0, Culture=neutral, PublicKeyToken=71e9bce111e9429c</Assembly>
-    <Class>Microsoft.Office.DocumentManagement.Internal.DocIdHandler</Class>
-    <Data/>
-    <Filter/>
-  </Receiver>
-  <Receiver>
-    <Name>Document ID Generator</Name>
-    <Synchronization>Synchronous</Synchronization>
-    <Type>10006</Type>
-    <SequenceNumber>1003</SequenceNumber>
-    <Assembly>Microsoft.Office.DocumentManagement, Version=14.0.0.0, Culture=neutral, PublicKeyToken=71e9bce111e9429c</Assembly>
-    <Class>Microsoft.Office.DocumentManagement.Internal.DocIdHandler</Class>
-    <Data/>
-    <Filter/>
-  </Receiver>
-</spe:Receivers>
+<SharedContentType xmlns="Microsoft.SharePoint.Taxonomy.ContentTypeSync" SourceId="a12e1b27-6b38-47db-a67e-1057ebfcf6e5" ContentTypeId="0x0101002CD26512E226DC44BE8078132D0509C5" PreviousValue="false"/>
 </file>
 
 <file path=customXml/itemProps1.xml><?xml version="1.0" encoding="utf-8"?>
@@ -9923,14 +9931,22 @@
 </file>
 
 <file path=customXml/itemProps2.xml><?xml version="1.0" encoding="utf-8"?>
-<ds:datastoreItem xmlns:ds="http://schemas.openxmlformats.org/officeDocument/2006/customXml" ds:itemID="{83688581-410E-4945-B421-EFB83018C18A}">
+<ds:datastoreItem xmlns:ds="http://schemas.openxmlformats.org/officeDocument/2006/customXml" ds:itemID="{9F0C1E77-C83A-4C3C-BC57-D5BA4B4D4725}">
   <ds:schemaRefs>
-    <ds:schemaRef ds:uri="Microsoft.SharePoint.Taxonomy.ContentTypeSync"/>
+    <ds:schemaRef ds:uri="http://schemas.microsoft.com/sharepoint/events"/>
   </ds:schemaRefs>
 </ds:datastoreItem>
 </file>
 
 <file path=customXml/itemProps3.xml><?xml version="1.0" encoding="utf-8"?>
+<ds:datastoreItem xmlns:ds="http://schemas.openxmlformats.org/officeDocument/2006/customXml" ds:itemID="{74578E51-F567-4265-8DFD-B159E0FBC4F3}">
+  <ds:schemaRefs>
+    <ds:schemaRef ds:uri="http://schemas.microsoft.com/sharepoint/v3/contenttype/forms"/>
+  </ds:schemaRefs>
+</ds:datastoreItem>
+</file>
+
+<file path=customXml/itemProps4.xml><?xml version="1.0" encoding="utf-8"?>
 <ds:datastoreItem xmlns:ds="http://schemas.openxmlformats.org/officeDocument/2006/customXml" ds:itemID="{4462EEAC-5282-4C3D-A1DE-F79AD64380EA}">
   <ds:schemaRefs>
     <ds:schemaRef ds:uri="964ac87d-ee9f-445a-856c-d1bb75df95c2"/>
@@ -9948,18 +9964,10 @@
 </ds:datastoreItem>
 </file>
 
-<file path=customXml/itemProps4.xml><?xml version="1.0" encoding="utf-8"?>
-<ds:datastoreItem xmlns:ds="http://schemas.openxmlformats.org/officeDocument/2006/customXml" ds:itemID="{74578E51-F567-4265-8DFD-B159E0FBC4F3}">
+<file path=customXml/itemProps5.xml><?xml version="1.0" encoding="utf-8"?>
+<ds:datastoreItem xmlns:ds="http://schemas.openxmlformats.org/officeDocument/2006/customXml" ds:itemID="{83688581-410E-4945-B421-EFB83018C18A}">
   <ds:schemaRefs>
-    <ds:schemaRef ds:uri="http://schemas.microsoft.com/sharepoint/v3/contenttype/forms"/>
-  </ds:schemaRefs>
-</ds:datastoreItem>
-</file>
-
-<file path=customXml/itemProps5.xml><?xml version="1.0" encoding="utf-8"?>
-<ds:datastoreItem xmlns:ds="http://schemas.openxmlformats.org/officeDocument/2006/customXml" ds:itemID="{9F0C1E77-C83A-4C3C-BC57-D5BA4B4D4725}">
-  <ds:schemaRefs>
-    <ds:schemaRef ds:uri="http://schemas.microsoft.com/sharepoint/events"/>
+    <ds:schemaRef ds:uri="Microsoft.SharePoint.Taxonomy.ContentTypeSync"/>
   </ds:schemaRefs>
 </ds:datastoreItem>
 </file>